--- a/Week 5/Cursor_Lecture_Slides.pptx
+++ b/Week 5/Cursor_Lecture_Slides.pptx
@@ -9,10 +9,10 @@
     <p:sldId id="256" r:id="rId3"/>
     <p:sldId id="257" r:id="rId4"/>
     <p:sldId id="258" r:id="rId5"/>
-    <p:sldId id="259" r:id="rId6"/>
-    <p:sldId id="260" r:id="rId7"/>
-    <p:sldId id="262" r:id="rId8"/>
-    <p:sldId id="261" r:id="rId9"/>
+    <p:sldId id="260" r:id="rId6"/>
+    <p:sldId id="262" r:id="rId7"/>
+    <p:sldId id="261" r:id="rId8"/>
+    <p:sldId id="259" r:id="rId9"/>
     <p:sldId id="263" r:id="rId10"/>
     <p:sldId id="265" r:id="rId11"/>
   </p:sldIdLst>
@@ -121,10 +121,6 @@
 </p:presentation>
 </file>
 
-<file path=ppt/revisionInfo.xml><?xml version="1.0" encoding="utf-8"?>
-<p1510:revInfo xmlns:a="http://schemas.openxmlformats.org/drawingml/2006/main" xmlns:r="http://schemas.openxmlformats.org/officeDocument/2006/relationships" xmlns:p1510="http://schemas.microsoft.com/office/powerpoint/2015/10/main"/>
-</file>
-
 <file path=ppt/slideLayouts/slideLayout1.xml><?xml version="1.0" encoding="utf-8"?>
 <p:sldLayout xmlns:a="http://schemas.openxmlformats.org/drawingml/2006/main" xmlns:r="http://schemas.openxmlformats.org/officeDocument/2006/relationships" xmlns:p="http://schemas.openxmlformats.org/presentationml/2006/main" type="title" preserve="1">
   <p:cSld name="Title Slide">
@@ -254,7 +250,7 @@
           <a:p>
             <a:fld id="{828A52BA-EE88-42EE-9D24-82249EAB6ED1}" type="datetimeFigureOut">
               <a:rPr lang="en-US" smtClean="0"/>
-              <a:t>2/12/2018</a:t>
+              <a:t>2/17/2019</a:t>
             </a:fld>
             <a:endParaRPr lang="en-US"/>
           </a:p>
@@ -422,7 +418,7 @@
           <a:p>
             <a:fld id="{828A52BA-EE88-42EE-9D24-82249EAB6ED1}" type="datetimeFigureOut">
               <a:rPr lang="en-US" smtClean="0"/>
-              <a:t>2/12/2018</a:t>
+              <a:t>2/17/2019</a:t>
             </a:fld>
             <a:endParaRPr lang="en-US"/>
           </a:p>
@@ -600,7 +596,7 @@
           <a:p>
             <a:fld id="{828A52BA-EE88-42EE-9D24-82249EAB6ED1}" type="datetimeFigureOut">
               <a:rPr lang="en-US" smtClean="0"/>
-              <a:t>2/12/2018</a:t>
+              <a:t>2/17/2019</a:t>
             </a:fld>
             <a:endParaRPr lang="en-US"/>
           </a:p>
@@ -768,7 +764,7 @@
           <a:p>
             <a:fld id="{828A52BA-EE88-42EE-9D24-82249EAB6ED1}" type="datetimeFigureOut">
               <a:rPr lang="en-US" smtClean="0"/>
-              <a:t>2/12/2018</a:t>
+              <a:t>2/17/2019</a:t>
             </a:fld>
             <a:endParaRPr lang="en-US"/>
           </a:p>
@@ -1013,7 +1009,7 @@
           <a:p>
             <a:fld id="{828A52BA-EE88-42EE-9D24-82249EAB6ED1}" type="datetimeFigureOut">
               <a:rPr lang="en-US" smtClean="0"/>
-              <a:t>2/12/2018</a:t>
+              <a:t>2/17/2019</a:t>
             </a:fld>
             <a:endParaRPr lang="en-US"/>
           </a:p>
@@ -1242,7 +1238,7 @@
           <a:p>
             <a:fld id="{828A52BA-EE88-42EE-9D24-82249EAB6ED1}" type="datetimeFigureOut">
               <a:rPr lang="en-US" smtClean="0"/>
-              <a:t>2/12/2018</a:t>
+              <a:t>2/17/2019</a:t>
             </a:fld>
             <a:endParaRPr lang="en-US"/>
           </a:p>
@@ -1606,7 +1602,7 @@
           <a:p>
             <a:fld id="{828A52BA-EE88-42EE-9D24-82249EAB6ED1}" type="datetimeFigureOut">
               <a:rPr lang="en-US" smtClean="0"/>
-              <a:t>2/12/2018</a:t>
+              <a:t>2/17/2019</a:t>
             </a:fld>
             <a:endParaRPr lang="en-US"/>
           </a:p>
@@ -1723,7 +1719,7 @@
           <a:p>
             <a:fld id="{828A52BA-EE88-42EE-9D24-82249EAB6ED1}" type="datetimeFigureOut">
               <a:rPr lang="en-US" smtClean="0"/>
-              <a:t>2/12/2018</a:t>
+              <a:t>2/17/2019</a:t>
             </a:fld>
             <a:endParaRPr lang="en-US"/>
           </a:p>
@@ -1818,7 +1814,7 @@
           <a:p>
             <a:fld id="{828A52BA-EE88-42EE-9D24-82249EAB6ED1}" type="datetimeFigureOut">
               <a:rPr lang="en-US" smtClean="0"/>
-              <a:t>2/12/2018</a:t>
+              <a:t>2/17/2019</a:t>
             </a:fld>
             <a:endParaRPr lang="en-US"/>
           </a:p>
@@ -2093,7 +2089,7 @@
           <a:p>
             <a:fld id="{828A52BA-EE88-42EE-9D24-82249EAB6ED1}" type="datetimeFigureOut">
               <a:rPr lang="en-US" smtClean="0"/>
-              <a:t>2/12/2018</a:t>
+              <a:t>2/17/2019</a:t>
             </a:fld>
             <a:endParaRPr lang="en-US"/>
           </a:p>
@@ -2345,7 +2341,7 @@
           <a:p>
             <a:fld id="{828A52BA-EE88-42EE-9D24-82249EAB6ED1}" type="datetimeFigureOut">
               <a:rPr lang="en-US" smtClean="0"/>
-              <a:t>2/12/2018</a:t>
+              <a:t>2/17/2019</a:t>
             </a:fld>
             <a:endParaRPr lang="en-US"/>
           </a:p>
@@ -2556,7 +2552,7 @@
           <a:p>
             <a:fld id="{828A52BA-EE88-42EE-9D24-82249EAB6ED1}" type="datetimeFigureOut">
               <a:rPr lang="en-US" smtClean="0"/>
-              <a:t>2/12/2018</a:t>
+              <a:t>2/17/2019</a:t>
             </a:fld>
             <a:endParaRPr lang="en-US"/>
           </a:p>
@@ -3012,22 +3008,22 @@
           <a:p>
             <a:r>
               <a:rPr lang="en-US" dirty="0"/>
-              <a:t>Homework: Reading\Writing to files</a:t>
+              <a:t>Project 1</a:t>
+            </a:r>
+          </a:p>
+          <a:p>
+            <a:endParaRPr lang="en-US" dirty="0"/>
+          </a:p>
+          <a:p>
+            <a:r>
+              <a:rPr lang="en-US" dirty="0"/>
+              <a:t>Reading\Writing to files</a:t>
             </a:r>
           </a:p>
           <a:p>
             <a:pPr marL="0" indent="0">
               <a:buNone/>
             </a:pPr>
-            <a:endParaRPr lang="en-US" dirty="0"/>
-          </a:p>
-          <a:p>
-            <a:r>
-              <a:rPr lang="en-US" dirty="0"/>
-              <a:t>Project 1</a:t>
-            </a:r>
-          </a:p>
-          <a:p>
             <a:endParaRPr lang="en-US" dirty="0"/>
           </a:p>
           <a:p>
@@ -3129,22 +3125,10 @@
             <a:endParaRPr lang="en-US" dirty="0"/>
           </a:p>
           <a:p>
-            <a:r>
-              <a:rPr lang="en-US" dirty="0"/>
-              <a:t>Proposal for your Final Project is due in 3 weeks</a:t>
-            </a:r>
-          </a:p>
-          <a:p>
             <a:pPr marL="0" indent="0">
               <a:buNone/>
             </a:pPr>
             <a:endParaRPr lang="en-US" dirty="0"/>
-          </a:p>
-          <a:p>
-            <a:r>
-              <a:rPr lang="en-US" dirty="0"/>
-              <a:t>Submit </a:t>
-            </a:r>
           </a:p>
         </p:txBody>
       </p:sp>
@@ -3527,117 +3511,6 @@
           <a:p>
             <a:r>
               <a:rPr lang="en-US" dirty="0"/>
-              <a:t>Fields and Tokens</a:t>
-            </a:r>
-          </a:p>
-        </p:txBody>
-      </p:sp>
-      <p:sp>
-        <p:nvSpPr>
-          <p:cNvPr id="3" name="Content Placeholder 2"/>
-          <p:cNvSpPr>
-            <a:spLocks noGrp="1"/>
-          </p:cNvSpPr>
-          <p:nvPr>
-            <p:ph idx="1"/>
-          </p:nvPr>
-        </p:nvSpPr>
-        <p:spPr>
-          <a:xfrm>
-            <a:off x="838201" y="1825625"/>
-            <a:ext cx="5329844" cy="4351338"/>
-          </a:xfrm>
-        </p:spPr>
-        <p:txBody>
-          <a:bodyPr/>
-          <a:lstStyle/>
-          <a:p>
-            <a:r>
-              <a:rPr lang="en-US" dirty="0"/>
-              <a:t>Define only the fields in the Feature class you are interested in</a:t>
-            </a:r>
-          </a:p>
-          <a:p>
-            <a:endParaRPr lang="en-US" dirty="0"/>
-          </a:p>
-          <a:p>
-            <a:r>
-              <a:rPr lang="en-US" dirty="0"/>
-              <a:t>Tokens give easy access to geometries and object ID</a:t>
-            </a:r>
-          </a:p>
-        </p:txBody>
-      </p:sp>
-      <p:pic>
-        <p:nvPicPr>
-          <p:cNvPr id="4" name="Picture 3"/>
-          <p:cNvPicPr>
-            <a:picLocks noChangeAspect="1"/>
-          </p:cNvPicPr>
-          <p:nvPr/>
-        </p:nvPicPr>
-        <p:blipFill rotWithShape="1">
-          <a:blip r:embed="rId2"/>
-          <a:srcRect l="42303" t="42525" r="25697" b="11576"/>
-          <a:stretch/>
-        </p:blipFill>
-        <p:spPr>
-          <a:xfrm>
-            <a:off x="5834237" y="1047404"/>
-            <a:ext cx="6357763" cy="5129559"/>
-          </a:xfrm>
-          <a:prstGeom prst="rect">
-            <a:avLst/>
-          </a:prstGeom>
-        </p:spPr>
-      </p:pic>
-    </p:spTree>
-    <p:extLst>
-      <p:ext uri="{BB962C8B-B14F-4D97-AF65-F5344CB8AC3E}">
-        <p14:creationId xmlns:p14="http://schemas.microsoft.com/office/powerpoint/2010/main" val="2520856611"/>
-      </p:ext>
-    </p:extLst>
-  </p:cSld>
-  <p:clrMapOvr>
-    <a:masterClrMapping/>
-  </p:clrMapOvr>
-</p:sld>
-</file>
-
-<file path=ppt/slides/slide6.xml><?xml version="1.0" encoding="utf-8"?>
-<p:sld xmlns:a="http://schemas.openxmlformats.org/drawingml/2006/main" xmlns:r="http://schemas.openxmlformats.org/officeDocument/2006/relationships" xmlns:p="http://schemas.openxmlformats.org/presentationml/2006/main">
-  <p:cSld>
-    <p:spTree>
-      <p:nvGrpSpPr>
-        <p:cNvPr id="1" name=""/>
-        <p:cNvGrpSpPr/>
-        <p:nvPr/>
-      </p:nvGrpSpPr>
-      <p:grpSpPr>
-        <a:xfrm>
-          <a:off x="0" y="0"/>
-          <a:ext cx="0" cy="0"/>
-          <a:chOff x="0" y="0"/>
-          <a:chExt cx="0" cy="0"/>
-        </a:xfrm>
-      </p:grpSpPr>
-      <p:sp>
-        <p:nvSpPr>
-          <p:cNvPr id="2" name="Title 1"/>
-          <p:cNvSpPr>
-            <a:spLocks noGrp="1"/>
-          </p:cNvSpPr>
-          <p:nvPr>
-            <p:ph type="title"/>
-          </p:nvPr>
-        </p:nvSpPr>
-        <p:spPr/>
-        <p:txBody>
-          <a:bodyPr/>
-          <a:lstStyle/>
-          <a:p>
-            <a:r>
-              <a:rPr lang="en-US" dirty="0"/>
               <a:t>Search Cursor</a:t>
             </a:r>
           </a:p>
@@ -3714,7 +3587,7 @@
 </p:sld>
 </file>
 
-<file path=ppt/slides/slide7.xml><?xml version="1.0" encoding="utf-8"?>
+<file path=ppt/slides/slide6.xml><?xml version="1.0" encoding="utf-8"?>
 <p:sld xmlns:a="http://schemas.openxmlformats.org/drawingml/2006/main" xmlns:r="http://schemas.openxmlformats.org/officeDocument/2006/relationships" xmlns:p="http://schemas.openxmlformats.org/presentationml/2006/main">
   <p:cSld>
     <p:spTree>
@@ -3836,7 +3709,7 @@
 </p:sld>
 </file>
 
-<file path=ppt/slides/slide8.xml><?xml version="1.0" encoding="utf-8"?>
+<file path=ppt/slides/slide7.xml><?xml version="1.0" encoding="utf-8"?>
 <p:sld xmlns:a="http://schemas.openxmlformats.org/drawingml/2006/main" xmlns:r="http://schemas.openxmlformats.org/officeDocument/2006/relationships" xmlns:p="http://schemas.openxmlformats.org/presentationml/2006/main">
   <p:cSld>
     <p:spTree>
@@ -3937,6 +3810,117 @@
     <p:extLst>
       <p:ext uri="{BB962C8B-B14F-4D97-AF65-F5344CB8AC3E}">
         <p14:creationId xmlns:p14="http://schemas.microsoft.com/office/powerpoint/2010/main" val="3941291456"/>
+      </p:ext>
+    </p:extLst>
+  </p:cSld>
+  <p:clrMapOvr>
+    <a:masterClrMapping/>
+  </p:clrMapOvr>
+</p:sld>
+</file>
+
+<file path=ppt/slides/slide8.xml><?xml version="1.0" encoding="utf-8"?>
+<p:sld xmlns:a="http://schemas.openxmlformats.org/drawingml/2006/main" xmlns:r="http://schemas.openxmlformats.org/officeDocument/2006/relationships" xmlns:p="http://schemas.openxmlformats.org/presentationml/2006/main">
+  <p:cSld>
+    <p:spTree>
+      <p:nvGrpSpPr>
+        <p:cNvPr id="1" name=""/>
+        <p:cNvGrpSpPr/>
+        <p:nvPr/>
+      </p:nvGrpSpPr>
+      <p:grpSpPr>
+        <a:xfrm>
+          <a:off x="0" y="0"/>
+          <a:ext cx="0" cy="0"/>
+          <a:chOff x="0" y="0"/>
+          <a:chExt cx="0" cy="0"/>
+        </a:xfrm>
+      </p:grpSpPr>
+      <p:sp>
+        <p:nvSpPr>
+          <p:cNvPr id="2" name="Title 1"/>
+          <p:cNvSpPr>
+            <a:spLocks noGrp="1"/>
+          </p:cNvSpPr>
+          <p:nvPr>
+            <p:ph type="title"/>
+          </p:nvPr>
+        </p:nvSpPr>
+        <p:spPr/>
+        <p:txBody>
+          <a:bodyPr/>
+          <a:lstStyle/>
+          <a:p>
+            <a:r>
+              <a:rPr lang="en-US" dirty="0"/>
+              <a:t>Fields and Tokens</a:t>
+            </a:r>
+          </a:p>
+        </p:txBody>
+      </p:sp>
+      <p:sp>
+        <p:nvSpPr>
+          <p:cNvPr id="3" name="Content Placeholder 2"/>
+          <p:cNvSpPr>
+            <a:spLocks noGrp="1"/>
+          </p:cNvSpPr>
+          <p:nvPr>
+            <p:ph idx="1"/>
+          </p:nvPr>
+        </p:nvSpPr>
+        <p:spPr>
+          <a:xfrm>
+            <a:off x="838201" y="1825625"/>
+            <a:ext cx="5329844" cy="4351338"/>
+          </a:xfrm>
+        </p:spPr>
+        <p:txBody>
+          <a:bodyPr/>
+          <a:lstStyle/>
+          <a:p>
+            <a:r>
+              <a:rPr lang="en-US" dirty="0"/>
+              <a:t>Define only the fields in the Feature class you are interested in</a:t>
+            </a:r>
+          </a:p>
+          <a:p>
+            <a:endParaRPr lang="en-US" dirty="0"/>
+          </a:p>
+          <a:p>
+            <a:r>
+              <a:rPr lang="en-US" dirty="0"/>
+              <a:t>Tokens give easy access to geometries and object ID</a:t>
+            </a:r>
+          </a:p>
+        </p:txBody>
+      </p:sp>
+      <p:pic>
+        <p:nvPicPr>
+          <p:cNvPr id="4" name="Picture 3"/>
+          <p:cNvPicPr>
+            <a:picLocks noChangeAspect="1"/>
+          </p:cNvPicPr>
+          <p:nvPr/>
+        </p:nvPicPr>
+        <p:blipFill rotWithShape="1">
+          <a:blip r:embed="rId2"/>
+          <a:srcRect l="42303" t="42525" r="25697" b="11576"/>
+          <a:stretch/>
+        </p:blipFill>
+        <p:spPr>
+          <a:xfrm>
+            <a:off x="5834237" y="1047404"/>
+            <a:ext cx="6357763" cy="5129559"/>
+          </a:xfrm>
+          <a:prstGeom prst="rect">
+            <a:avLst/>
+          </a:prstGeom>
+        </p:spPr>
+      </p:pic>
+    </p:spTree>
+    <p:extLst>
+      <p:ext uri="{BB962C8B-B14F-4D97-AF65-F5344CB8AC3E}">
+        <p14:creationId xmlns:p14="http://schemas.microsoft.com/office/powerpoint/2010/main" val="2520856611"/>
       </p:ext>
     </p:extLst>
   </p:cSld>
